--- a/Seconde/Chapitre8-LentilleEtOeil/TP-DécouverteLentille/TP-DécouverteLentille.pptx
+++ b/Seconde/Chapitre8-LentilleEtOeil/TP-DécouverteLentille/TP-DécouverteLentille.pptx
@@ -9,6 +9,7 @@
     <p:sldId id="258" r:id="rId3"/>
     <p:sldId id="257" r:id="rId4"/>
     <p:sldId id="259" r:id="rId5"/>
+    <p:sldId id="260" r:id="rId6"/>
   </p:sldIdLst>
   <p:sldSz cx="43200638" cy="6858000"/>
   <p:notesSz cx="6858000" cy="9144000"/>
@@ -107,6 +108,11 @@
       </a:defRPr>
     </a:lvl9pPr>
   </p:defaultTextStyle>
+  <p:extLst>
+    <p:ext uri="{EFAFB233-063F-42B5-8137-9DF3F51BA10A}">
+      <p15:sldGuideLst xmlns:p15="http://schemas.microsoft.com/office/powerpoint/2012/main"/>
+    </p:ext>
+  </p:extLst>
 </p:presentation>
 </file>
 
@@ -241,7 +247,7 @@
           <a:p>
             <a:fld id="{5B056150-8709-403D-9B76-762C1400BCC0}" type="datetimeFigureOut">
               <a:rPr lang="fr-FR" smtClean="0"/>
-              <a:t>06/02/2021</a:t>
+              <a:t>22/02/2021</a:t>
             </a:fld>
             <a:endParaRPr lang="fr-FR"/>
           </a:p>
@@ -411,7 +417,7 @@
           <a:p>
             <a:fld id="{5B056150-8709-403D-9B76-762C1400BCC0}" type="datetimeFigureOut">
               <a:rPr lang="fr-FR" smtClean="0"/>
-              <a:t>06/02/2021</a:t>
+              <a:t>22/02/2021</a:t>
             </a:fld>
             <a:endParaRPr lang="fr-FR"/>
           </a:p>
@@ -591,7 +597,7 @@
           <a:p>
             <a:fld id="{5B056150-8709-403D-9B76-762C1400BCC0}" type="datetimeFigureOut">
               <a:rPr lang="fr-FR" smtClean="0"/>
-              <a:t>06/02/2021</a:t>
+              <a:t>22/02/2021</a:t>
             </a:fld>
             <a:endParaRPr lang="fr-FR"/>
           </a:p>
@@ -761,7 +767,7 @@
           <a:p>
             <a:fld id="{5B056150-8709-403D-9B76-762C1400BCC0}" type="datetimeFigureOut">
               <a:rPr lang="fr-FR" smtClean="0"/>
-              <a:t>06/02/2021</a:t>
+              <a:t>22/02/2021</a:t>
             </a:fld>
             <a:endParaRPr lang="fr-FR"/>
           </a:p>
@@ -1007,7 +1013,7 @@
           <a:p>
             <a:fld id="{5B056150-8709-403D-9B76-762C1400BCC0}" type="datetimeFigureOut">
               <a:rPr lang="fr-FR" smtClean="0"/>
-              <a:t>06/02/2021</a:t>
+              <a:t>22/02/2021</a:t>
             </a:fld>
             <a:endParaRPr lang="fr-FR"/>
           </a:p>
@@ -1239,7 +1245,7 @@
           <a:p>
             <a:fld id="{5B056150-8709-403D-9B76-762C1400BCC0}" type="datetimeFigureOut">
               <a:rPr lang="fr-FR" smtClean="0"/>
-              <a:t>06/02/2021</a:t>
+              <a:t>22/02/2021</a:t>
             </a:fld>
             <a:endParaRPr lang="fr-FR"/>
           </a:p>
@@ -1606,7 +1612,7 @@
           <a:p>
             <a:fld id="{5B056150-8709-403D-9B76-762C1400BCC0}" type="datetimeFigureOut">
               <a:rPr lang="fr-FR" smtClean="0"/>
-              <a:t>06/02/2021</a:t>
+              <a:t>22/02/2021</a:t>
             </a:fld>
             <a:endParaRPr lang="fr-FR"/>
           </a:p>
@@ -1724,7 +1730,7 @@
           <a:p>
             <a:fld id="{5B056150-8709-403D-9B76-762C1400BCC0}" type="datetimeFigureOut">
               <a:rPr lang="fr-FR" smtClean="0"/>
-              <a:t>06/02/2021</a:t>
+              <a:t>22/02/2021</a:t>
             </a:fld>
             <a:endParaRPr lang="fr-FR"/>
           </a:p>
@@ -1819,7 +1825,7 @@
           <a:p>
             <a:fld id="{5B056150-8709-403D-9B76-762C1400BCC0}" type="datetimeFigureOut">
               <a:rPr lang="fr-FR" smtClean="0"/>
-              <a:t>06/02/2021</a:t>
+              <a:t>22/02/2021</a:t>
             </a:fld>
             <a:endParaRPr lang="fr-FR"/>
           </a:p>
@@ -2096,7 +2102,7 @@
           <a:p>
             <a:fld id="{5B056150-8709-403D-9B76-762C1400BCC0}" type="datetimeFigureOut">
               <a:rPr lang="fr-FR" smtClean="0"/>
-              <a:t>06/02/2021</a:t>
+              <a:t>22/02/2021</a:t>
             </a:fld>
             <a:endParaRPr lang="fr-FR"/>
           </a:p>
@@ -2353,7 +2359,7 @@
           <a:p>
             <a:fld id="{5B056150-8709-403D-9B76-762C1400BCC0}" type="datetimeFigureOut">
               <a:rPr lang="fr-FR" smtClean="0"/>
-              <a:t>06/02/2021</a:t>
+              <a:t>22/02/2021</a:t>
             </a:fld>
             <a:endParaRPr lang="fr-FR"/>
           </a:p>
@@ -2566,7 +2572,7 @@
           <a:p>
             <a:fld id="{5B056150-8709-403D-9B76-762C1400BCC0}" type="datetimeFigureOut">
               <a:rPr lang="fr-FR" smtClean="0"/>
-              <a:t>06/02/2021</a:t>
+              <a:t>22/02/2021</a:t>
             </a:fld>
             <a:endParaRPr lang="fr-FR"/>
           </a:p>
@@ -5159,7 +5165,7 @@
         </p:blipFill>
         <p:spPr>
           <a:xfrm>
-            <a:off x="15975155" y="2318988"/>
+            <a:off x="15975155" y="1861788"/>
             <a:ext cx="5810250" cy="2647950"/>
           </a:xfrm>
           <a:prstGeom prst="rect">
@@ -5167,6 +5173,312 @@
           </a:prstGeom>
         </p:spPr>
       </p:pic>
+      <p:sp>
+        <p:nvSpPr>
+          <p:cNvPr id="2" name="TextBox 1">
+            <a:extLst>
+              <a:ext uri="{FF2B5EF4-FFF2-40B4-BE49-F238E27FC236}">
+                <a16:creationId xmlns:a16="http://schemas.microsoft.com/office/drawing/2014/main" id="{2E668A37-D253-4694-B11B-9CFFCBE27DDF}"/>
+              </a:ext>
+            </a:extLst>
+          </p:cNvPr>
+          <p:cNvSpPr txBox="1"/>
+          <p:nvPr/>
+        </p:nvSpPr>
+        <p:spPr>
+          <a:xfrm>
+            <a:off x="17691100" y="215900"/>
+            <a:ext cx="2114550" cy="369332"/>
+          </a:xfrm>
+          <a:prstGeom prst="rect">
+            <a:avLst/>
+          </a:prstGeom>
+          <a:noFill/>
+        </p:spPr>
+        <p:txBody>
+          <a:bodyPr wrap="square" rtlCol="0">
+            <a:spAutoFit/>
+          </a:bodyPr>
+          <a:lstStyle/>
+          <a:p>
+            <a:r>
+              <a:rPr lang="fr-FR" dirty="0"/>
+              <a:t>Lentille …………………</a:t>
+            </a:r>
+          </a:p>
+        </p:txBody>
+      </p:sp>
+      <p:sp>
+        <p:nvSpPr>
+          <p:cNvPr id="6" name="TextBox 5">
+            <a:extLst>
+              <a:ext uri="{FF2B5EF4-FFF2-40B4-BE49-F238E27FC236}">
+                <a16:creationId xmlns:a16="http://schemas.microsoft.com/office/drawing/2014/main" id="{948F7D88-8EAC-49FD-86FB-2F072C5FC794}"/>
+              </a:ext>
+            </a:extLst>
+          </p:cNvPr>
+          <p:cNvSpPr txBox="1"/>
+          <p:nvPr/>
+        </p:nvSpPr>
+        <p:spPr>
+          <a:xfrm>
+            <a:off x="17614900" y="2092657"/>
+            <a:ext cx="2114550" cy="369332"/>
+          </a:xfrm>
+          <a:prstGeom prst="rect">
+            <a:avLst/>
+          </a:prstGeom>
+          <a:noFill/>
+        </p:spPr>
+        <p:txBody>
+          <a:bodyPr wrap="square" rtlCol="0">
+            <a:spAutoFit/>
+          </a:bodyPr>
+          <a:lstStyle/>
+          <a:p>
+            <a:r>
+              <a:rPr lang="fr-FR" dirty="0"/>
+              <a:t>Lentille …………………</a:t>
+            </a:r>
+          </a:p>
+        </p:txBody>
+      </p:sp>
+      <p:cxnSp>
+        <p:nvCxnSpPr>
+          <p:cNvPr id="7" name="Straight Arrow Connector 6">
+            <a:extLst>
+              <a:ext uri="{FF2B5EF4-FFF2-40B4-BE49-F238E27FC236}">
+                <a16:creationId xmlns:a16="http://schemas.microsoft.com/office/drawing/2014/main" id="{9D22AC07-3256-474B-8594-22E10F25F39C}"/>
+              </a:ext>
+            </a:extLst>
+          </p:cNvPr>
+          <p:cNvCxnSpPr>
+            <a:cxnSpLocks/>
+          </p:cNvCxnSpPr>
+          <p:nvPr/>
+        </p:nvCxnSpPr>
+        <p:spPr>
+          <a:xfrm>
+            <a:off x="18522950" y="535095"/>
+            <a:ext cx="825500" cy="169755"/>
+          </a:xfrm>
+          <a:prstGeom prst="straightConnector1">
+            <a:avLst/>
+          </a:prstGeom>
+          <a:ln w="19050">
+            <a:tailEnd type="triangle"/>
+          </a:ln>
+        </p:spPr>
+        <p:style>
+          <a:lnRef idx="1">
+            <a:schemeClr val="dk1"/>
+          </a:lnRef>
+          <a:fillRef idx="0">
+            <a:schemeClr val="dk1"/>
+          </a:fillRef>
+          <a:effectRef idx="0">
+            <a:schemeClr val="dk1"/>
+          </a:effectRef>
+          <a:fontRef idx="minor">
+            <a:schemeClr val="tx1"/>
+          </a:fontRef>
+        </p:style>
+      </p:cxnSp>
+      <p:cxnSp>
+        <p:nvCxnSpPr>
+          <p:cNvPr id="8" name="Straight Arrow Connector 7">
+            <a:extLst>
+              <a:ext uri="{FF2B5EF4-FFF2-40B4-BE49-F238E27FC236}">
+                <a16:creationId xmlns:a16="http://schemas.microsoft.com/office/drawing/2014/main" id="{C1F19238-D917-403C-9AEC-BAB0445BC712}"/>
+              </a:ext>
+            </a:extLst>
+          </p:cNvPr>
+          <p:cNvCxnSpPr>
+            <a:cxnSpLocks/>
+          </p:cNvCxnSpPr>
+          <p:nvPr/>
+        </p:nvCxnSpPr>
+        <p:spPr>
+          <a:xfrm>
+            <a:off x="18440400" y="2413000"/>
+            <a:ext cx="657225" cy="218833"/>
+          </a:xfrm>
+          <a:prstGeom prst="straightConnector1">
+            <a:avLst/>
+          </a:prstGeom>
+          <a:ln w="15875">
+            <a:tailEnd type="triangle"/>
+          </a:ln>
+        </p:spPr>
+        <p:style>
+          <a:lnRef idx="1">
+            <a:schemeClr val="dk1"/>
+          </a:lnRef>
+          <a:fillRef idx="0">
+            <a:schemeClr val="dk1"/>
+          </a:fillRef>
+          <a:effectRef idx="0">
+            <a:schemeClr val="dk1"/>
+          </a:effectRef>
+          <a:fontRef idx="minor">
+            <a:schemeClr val="tx1"/>
+          </a:fontRef>
+        </p:style>
+      </p:cxnSp>
+      <p:sp>
+        <p:nvSpPr>
+          <p:cNvPr id="12" name="TextBox 11">
+            <a:extLst>
+              <a:ext uri="{FF2B5EF4-FFF2-40B4-BE49-F238E27FC236}">
+                <a16:creationId xmlns:a16="http://schemas.microsoft.com/office/drawing/2014/main" id="{1A18967C-8234-4D12-8586-715F18280F99}"/>
+              </a:ext>
+            </a:extLst>
+          </p:cNvPr>
+          <p:cNvSpPr txBox="1"/>
+          <p:nvPr/>
+        </p:nvSpPr>
+        <p:spPr>
+          <a:xfrm>
+            <a:off x="15646399" y="1144031"/>
+            <a:ext cx="1098549" cy="646331"/>
+          </a:xfrm>
+          <a:prstGeom prst="rect">
+            <a:avLst/>
+          </a:prstGeom>
+          <a:noFill/>
+        </p:spPr>
+        <p:txBody>
+          <a:bodyPr wrap="square" rtlCol="0">
+            <a:spAutoFit/>
+          </a:bodyPr>
+          <a:lstStyle/>
+          <a:p>
+            <a:pPr algn="just"/>
+            <a:r>
+              <a:rPr lang="fr-FR" sz="900" b="1" dirty="0"/>
+              <a:t>= Ligne imaginaire passant par le centre optique O de la lentille</a:t>
+            </a:r>
+          </a:p>
+        </p:txBody>
+      </p:sp>
+      <p:sp>
+        <p:nvSpPr>
+          <p:cNvPr id="13" name="TextBox 12">
+            <a:extLst>
+              <a:ext uri="{FF2B5EF4-FFF2-40B4-BE49-F238E27FC236}">
+                <a16:creationId xmlns:a16="http://schemas.microsoft.com/office/drawing/2014/main" id="{5EF5A3B7-0200-418A-B2FE-609A17758AAD}"/>
+              </a:ext>
+            </a:extLst>
+          </p:cNvPr>
+          <p:cNvSpPr txBox="1"/>
+          <p:nvPr/>
+        </p:nvSpPr>
+        <p:spPr>
+          <a:xfrm>
+            <a:off x="15652750" y="909617"/>
+            <a:ext cx="1098550" cy="276999"/>
+          </a:xfrm>
+          <a:prstGeom prst="rect">
+            <a:avLst/>
+          </a:prstGeom>
+          <a:solidFill>
+            <a:schemeClr val="bg1"/>
+          </a:solidFill>
+        </p:spPr>
+        <p:txBody>
+          <a:bodyPr wrap="square" rtlCol="0">
+            <a:spAutoFit/>
+          </a:bodyPr>
+          <a:lstStyle/>
+          <a:p>
+            <a:pPr algn="just"/>
+            <a:r>
+              <a:rPr lang="fr-FR" sz="1200" b="1" dirty="0"/>
+              <a:t>Axe optique</a:t>
+            </a:r>
+          </a:p>
+        </p:txBody>
+      </p:sp>
+      <p:cxnSp>
+        <p:nvCxnSpPr>
+          <p:cNvPr id="15" name="Straight Connector 14">
+            <a:extLst>
+              <a:ext uri="{FF2B5EF4-FFF2-40B4-BE49-F238E27FC236}">
+                <a16:creationId xmlns:a16="http://schemas.microsoft.com/office/drawing/2014/main" id="{2CF9D900-0135-43EB-9A9D-E90F4921C69E}"/>
+              </a:ext>
+            </a:extLst>
+          </p:cNvPr>
+          <p:cNvCxnSpPr/>
+          <p:nvPr/>
+        </p:nvCxnSpPr>
+        <p:spPr>
+          <a:xfrm>
+            <a:off x="21763633" y="3118757"/>
+            <a:ext cx="1638669" cy="0"/>
+          </a:xfrm>
+          <a:prstGeom prst="line">
+            <a:avLst/>
+          </a:prstGeom>
+          <a:ln w="22225">
+            <a:solidFill>
+              <a:schemeClr val="tx1"/>
+            </a:solidFill>
+            <a:prstDash val="dash"/>
+          </a:ln>
+        </p:spPr>
+        <p:style>
+          <a:lnRef idx="1">
+            <a:schemeClr val="accent1"/>
+          </a:lnRef>
+          <a:fillRef idx="0">
+            <a:schemeClr val="accent1"/>
+          </a:fillRef>
+          <a:effectRef idx="0">
+            <a:schemeClr val="accent1"/>
+          </a:effectRef>
+          <a:fontRef idx="minor">
+            <a:schemeClr val="tx1"/>
+          </a:fontRef>
+        </p:style>
+      </p:cxnSp>
+      <p:sp>
+        <p:nvSpPr>
+          <p:cNvPr id="16" name="TextBox 15">
+            <a:extLst>
+              <a:ext uri="{FF2B5EF4-FFF2-40B4-BE49-F238E27FC236}">
+                <a16:creationId xmlns:a16="http://schemas.microsoft.com/office/drawing/2014/main" id="{935F6B86-1586-44F7-9FCD-E7DEA5F5A6F6}"/>
+              </a:ext>
+            </a:extLst>
+          </p:cNvPr>
+          <p:cNvSpPr txBox="1"/>
+          <p:nvPr/>
+        </p:nvSpPr>
+        <p:spPr>
+          <a:xfrm>
+            <a:off x="15715096" y="2823120"/>
+            <a:ext cx="1098550" cy="276999"/>
+          </a:xfrm>
+          <a:prstGeom prst="rect">
+            <a:avLst/>
+          </a:prstGeom>
+          <a:solidFill>
+            <a:schemeClr val="bg1"/>
+          </a:solidFill>
+        </p:spPr>
+        <p:txBody>
+          <a:bodyPr wrap="square" rtlCol="0">
+            <a:spAutoFit/>
+          </a:bodyPr>
+          <a:lstStyle/>
+          <a:p>
+            <a:pPr algn="just"/>
+            <a:r>
+              <a:rPr lang="fr-FR" sz="1200" b="1" dirty="0"/>
+              <a:t>Axe optique</a:t>
+            </a:r>
+          </a:p>
+        </p:txBody>
+      </p:sp>
     </p:spTree>
     <p:extLst>
       <p:ext uri="{BB962C8B-B14F-4D97-AF65-F5344CB8AC3E}">
@@ -7222,6 +7534,1528 @@
     <p:extLst>
       <p:ext uri="{BB962C8B-B14F-4D97-AF65-F5344CB8AC3E}">
         <p14:creationId xmlns:p14="http://schemas.microsoft.com/office/powerpoint/2010/main" val="1636157974"/>
+      </p:ext>
+    </p:extLst>
+  </p:cSld>
+  <p:clrMapOvr>
+    <a:masterClrMapping/>
+  </p:clrMapOvr>
+</p:sld>
+</file>
+
+<file path=ppt/slides/slide5.xml><?xml version="1.0" encoding="utf-8"?>
+<p:sld xmlns:a="http://schemas.openxmlformats.org/drawingml/2006/main" xmlns:r="http://schemas.openxmlformats.org/officeDocument/2006/relationships" xmlns:p="http://schemas.openxmlformats.org/presentationml/2006/main">
+  <p:cSld>
+    <p:spTree>
+      <p:nvGrpSpPr>
+        <p:cNvPr id="1" name=""/>
+        <p:cNvGrpSpPr/>
+        <p:nvPr/>
+      </p:nvGrpSpPr>
+      <p:grpSpPr>
+        <a:xfrm>
+          <a:off x="0" y="0"/>
+          <a:ext cx="0" cy="0"/>
+          <a:chOff x="0" y="0"/>
+          <a:chExt cx="0" cy="0"/>
+        </a:xfrm>
+      </p:grpSpPr>
+      <p:cxnSp>
+        <p:nvCxnSpPr>
+          <p:cNvPr id="2" name="Straight Connector 1">
+            <a:extLst>
+              <a:ext uri="{FF2B5EF4-FFF2-40B4-BE49-F238E27FC236}">
+                <a16:creationId xmlns:a16="http://schemas.microsoft.com/office/drawing/2014/main" id="{4B79ED44-84A7-4A32-8F37-9DB6A9F131A7}"/>
+              </a:ext>
+            </a:extLst>
+          </p:cNvPr>
+          <p:cNvCxnSpPr>
+            <a:cxnSpLocks/>
+          </p:cNvCxnSpPr>
+          <p:nvPr/>
+        </p:nvCxnSpPr>
+        <p:spPr>
+          <a:xfrm>
+            <a:off x="16450471" y="679450"/>
+            <a:ext cx="2625183" cy="0"/>
+          </a:xfrm>
+          <a:prstGeom prst="line">
+            <a:avLst/>
+          </a:prstGeom>
+          <a:ln w="28575">
+            <a:solidFill>
+              <a:srgbClr val="FF0000"/>
+            </a:solidFill>
+          </a:ln>
+        </p:spPr>
+        <p:style>
+          <a:lnRef idx="1">
+            <a:schemeClr val="accent1"/>
+          </a:lnRef>
+          <a:fillRef idx="0">
+            <a:schemeClr val="accent1"/>
+          </a:fillRef>
+          <a:effectRef idx="0">
+            <a:schemeClr val="accent1"/>
+          </a:effectRef>
+          <a:fontRef idx="minor">
+            <a:schemeClr val="tx1"/>
+          </a:fontRef>
+        </p:style>
+      </p:cxnSp>
+      <p:cxnSp>
+        <p:nvCxnSpPr>
+          <p:cNvPr id="3" name="Straight Connector 2">
+            <a:extLst>
+              <a:ext uri="{FF2B5EF4-FFF2-40B4-BE49-F238E27FC236}">
+                <a16:creationId xmlns:a16="http://schemas.microsoft.com/office/drawing/2014/main" id="{CBADED8B-E7B8-4E91-BDB9-91BAABA65D92}"/>
+              </a:ext>
+            </a:extLst>
+          </p:cNvPr>
+          <p:cNvCxnSpPr/>
+          <p:nvPr/>
+        </p:nvCxnSpPr>
+        <p:spPr>
+          <a:xfrm>
+            <a:off x="16386969" y="990600"/>
+            <a:ext cx="2546350" cy="0"/>
+          </a:xfrm>
+          <a:prstGeom prst="line">
+            <a:avLst/>
+          </a:prstGeom>
+          <a:ln w="28575">
+            <a:solidFill>
+              <a:srgbClr val="FF0000"/>
+            </a:solidFill>
+          </a:ln>
+        </p:spPr>
+        <p:style>
+          <a:lnRef idx="1">
+            <a:schemeClr val="accent1"/>
+          </a:lnRef>
+          <a:fillRef idx="0">
+            <a:schemeClr val="accent1"/>
+          </a:fillRef>
+          <a:effectRef idx="0">
+            <a:schemeClr val="accent1"/>
+          </a:effectRef>
+          <a:fontRef idx="minor">
+            <a:schemeClr val="tx1"/>
+          </a:fontRef>
+        </p:style>
+      </p:cxnSp>
+      <p:cxnSp>
+        <p:nvCxnSpPr>
+          <p:cNvPr id="4" name="Straight Connector 3">
+            <a:extLst>
+              <a:ext uri="{FF2B5EF4-FFF2-40B4-BE49-F238E27FC236}">
+                <a16:creationId xmlns:a16="http://schemas.microsoft.com/office/drawing/2014/main" id="{88872B1C-0EE8-4256-8E57-AF98B8910EC6}"/>
+              </a:ext>
+            </a:extLst>
+          </p:cNvPr>
+          <p:cNvCxnSpPr/>
+          <p:nvPr/>
+        </p:nvCxnSpPr>
+        <p:spPr>
+          <a:xfrm>
+            <a:off x="16386969" y="1314450"/>
+            <a:ext cx="2546350" cy="0"/>
+          </a:xfrm>
+          <a:prstGeom prst="line">
+            <a:avLst/>
+          </a:prstGeom>
+          <a:ln w="28575">
+            <a:solidFill>
+              <a:srgbClr val="FF0000"/>
+            </a:solidFill>
+          </a:ln>
+        </p:spPr>
+        <p:style>
+          <a:lnRef idx="1">
+            <a:schemeClr val="accent1"/>
+          </a:lnRef>
+          <a:fillRef idx="0">
+            <a:schemeClr val="accent1"/>
+          </a:fillRef>
+          <a:effectRef idx="0">
+            <a:schemeClr val="accent1"/>
+          </a:effectRef>
+          <a:fontRef idx="minor">
+            <a:schemeClr val="tx1"/>
+          </a:fontRef>
+        </p:style>
+      </p:cxnSp>
+      <p:cxnSp>
+        <p:nvCxnSpPr>
+          <p:cNvPr id="5" name="Straight Connector 4">
+            <a:extLst>
+              <a:ext uri="{FF2B5EF4-FFF2-40B4-BE49-F238E27FC236}">
+                <a16:creationId xmlns:a16="http://schemas.microsoft.com/office/drawing/2014/main" id="{FCA8276F-6065-445D-84AD-C4D063309BB0}"/>
+              </a:ext>
+            </a:extLst>
+          </p:cNvPr>
+          <p:cNvCxnSpPr/>
+          <p:nvPr/>
+        </p:nvCxnSpPr>
+        <p:spPr>
+          <a:xfrm>
+            <a:off x="16450469" y="1644650"/>
+            <a:ext cx="2546350" cy="0"/>
+          </a:xfrm>
+          <a:prstGeom prst="line">
+            <a:avLst/>
+          </a:prstGeom>
+          <a:ln w="28575">
+            <a:solidFill>
+              <a:srgbClr val="FF0000"/>
+            </a:solidFill>
+          </a:ln>
+        </p:spPr>
+        <p:style>
+          <a:lnRef idx="1">
+            <a:schemeClr val="accent1"/>
+          </a:lnRef>
+          <a:fillRef idx="0">
+            <a:schemeClr val="accent1"/>
+          </a:fillRef>
+          <a:effectRef idx="0">
+            <a:schemeClr val="accent1"/>
+          </a:effectRef>
+          <a:fontRef idx="minor">
+            <a:schemeClr val="tx1"/>
+          </a:fontRef>
+        </p:style>
+      </p:cxnSp>
+      <p:cxnSp>
+        <p:nvCxnSpPr>
+          <p:cNvPr id="6" name="Straight Connector 5">
+            <a:extLst>
+              <a:ext uri="{FF2B5EF4-FFF2-40B4-BE49-F238E27FC236}">
+                <a16:creationId xmlns:a16="http://schemas.microsoft.com/office/drawing/2014/main" id="{947CFAAD-296F-460B-9554-53E07717D90F}"/>
+              </a:ext>
+            </a:extLst>
+          </p:cNvPr>
+          <p:cNvCxnSpPr>
+            <a:cxnSpLocks/>
+          </p:cNvCxnSpPr>
+          <p:nvPr/>
+        </p:nvCxnSpPr>
+        <p:spPr>
+          <a:xfrm>
+            <a:off x="19075654" y="679450"/>
+            <a:ext cx="5289305" cy="1291590"/>
+          </a:xfrm>
+          <a:prstGeom prst="line">
+            <a:avLst/>
+          </a:prstGeom>
+          <a:ln w="22225">
+            <a:solidFill>
+              <a:srgbClr val="FF0000"/>
+            </a:solidFill>
+          </a:ln>
+        </p:spPr>
+        <p:style>
+          <a:lnRef idx="1">
+            <a:schemeClr val="accent1"/>
+          </a:lnRef>
+          <a:fillRef idx="0">
+            <a:schemeClr val="accent1"/>
+          </a:fillRef>
+          <a:effectRef idx="0">
+            <a:schemeClr val="accent1"/>
+          </a:effectRef>
+          <a:fontRef idx="minor">
+            <a:schemeClr val="tx1"/>
+          </a:fontRef>
+        </p:style>
+      </p:cxnSp>
+      <p:pic>
+        <p:nvPicPr>
+          <p:cNvPr id="10" name="Picture 9">
+            <a:extLst>
+              <a:ext uri="{FF2B5EF4-FFF2-40B4-BE49-F238E27FC236}">
+                <a16:creationId xmlns:a16="http://schemas.microsoft.com/office/drawing/2014/main" id="{2245E3D5-D022-4F43-A92D-05A06ADED37F}"/>
+              </a:ext>
+            </a:extLst>
+          </p:cNvPr>
+          <p:cNvPicPr>
+            <a:picLocks noChangeAspect="1"/>
+          </p:cNvPicPr>
+          <p:nvPr/>
+        </p:nvPicPr>
+        <p:blipFill>
+          <a:blip r:embed="rId2">
+            <a:extLst>
+              <a:ext uri="{BEBA8EAE-BF5A-486C-A8C5-ECC9F3942E4B}">
+                <a14:imgProps xmlns:a14="http://schemas.microsoft.com/office/drawing/2010/main">
+                  <a14:imgLayer r:embed="rId3">
+                    <a14:imgEffect>
+                      <a14:backgroundRemoval t="5804" b="91964" l="8974" r="89744">
+                        <a14:foregroundMark x1="49359" y1="5804" x2="49359" y2="5804"/>
+                        <a14:foregroundMark x1="46795" y1="91964" x2="46795" y2="91964"/>
+                        <a14:foregroundMark x1="22436" y1="35268" x2="22436" y2="35268"/>
+                        <a14:foregroundMark x1="21154" y1="35938" x2="21154" y2="35938"/>
+                      </a14:backgroundRemoval>
+                    </a14:imgEffect>
+                  </a14:imgLayer>
+                </a14:imgProps>
+              </a:ext>
+            </a:extLst>
+          </a:blip>
+          <a:stretch>
+            <a:fillRect/>
+          </a:stretch>
+        </p:blipFill>
+        <p:spPr>
+          <a:xfrm>
+            <a:off x="18833418" y="497441"/>
+            <a:ext cx="484468" cy="1391292"/>
+          </a:xfrm>
+          <a:prstGeom prst="rect">
+            <a:avLst/>
+          </a:prstGeom>
+        </p:spPr>
+      </p:pic>
+      <p:cxnSp>
+        <p:nvCxnSpPr>
+          <p:cNvPr id="11" name="Straight Connector 10">
+            <a:extLst>
+              <a:ext uri="{FF2B5EF4-FFF2-40B4-BE49-F238E27FC236}">
+                <a16:creationId xmlns:a16="http://schemas.microsoft.com/office/drawing/2014/main" id="{8378080E-CDBE-4C7D-9405-87E4287FCBCC}"/>
+              </a:ext>
+            </a:extLst>
+          </p:cNvPr>
+          <p:cNvCxnSpPr>
+            <a:cxnSpLocks/>
+          </p:cNvCxnSpPr>
+          <p:nvPr/>
+        </p:nvCxnSpPr>
+        <p:spPr>
+          <a:xfrm flipH="1">
+            <a:off x="17369105" y="1644650"/>
+            <a:ext cx="504375" cy="0"/>
+          </a:xfrm>
+          <a:prstGeom prst="line">
+            <a:avLst/>
+          </a:prstGeom>
+          <a:ln w="28575">
+            <a:solidFill>
+              <a:srgbClr val="FF0000"/>
+            </a:solidFill>
+            <a:headEnd type="stealth" w="lg" len="lg"/>
+            <a:tailEnd type="none"/>
+          </a:ln>
+        </p:spPr>
+        <p:style>
+          <a:lnRef idx="1">
+            <a:schemeClr val="accent1"/>
+          </a:lnRef>
+          <a:fillRef idx="0">
+            <a:schemeClr val="accent1"/>
+          </a:fillRef>
+          <a:effectRef idx="0">
+            <a:schemeClr val="accent1"/>
+          </a:effectRef>
+          <a:fontRef idx="minor">
+            <a:schemeClr val="tx1"/>
+          </a:fontRef>
+        </p:style>
+      </p:cxnSp>
+      <p:cxnSp>
+        <p:nvCxnSpPr>
+          <p:cNvPr id="12" name="Straight Connector 11">
+            <a:extLst>
+              <a:ext uri="{FF2B5EF4-FFF2-40B4-BE49-F238E27FC236}">
+                <a16:creationId xmlns:a16="http://schemas.microsoft.com/office/drawing/2014/main" id="{2F6B0363-DDD5-4442-BFBC-1305D0ACA02D}"/>
+              </a:ext>
+            </a:extLst>
+          </p:cNvPr>
+          <p:cNvCxnSpPr>
+            <a:cxnSpLocks/>
+          </p:cNvCxnSpPr>
+          <p:nvPr/>
+        </p:nvCxnSpPr>
+        <p:spPr>
+          <a:xfrm flipH="1">
+            <a:off x="17369104" y="1314450"/>
+            <a:ext cx="504375" cy="0"/>
+          </a:xfrm>
+          <a:prstGeom prst="line">
+            <a:avLst/>
+          </a:prstGeom>
+          <a:ln w="28575">
+            <a:solidFill>
+              <a:srgbClr val="FF0000"/>
+            </a:solidFill>
+            <a:headEnd type="stealth" w="lg" len="lg"/>
+            <a:tailEnd type="none"/>
+          </a:ln>
+        </p:spPr>
+        <p:style>
+          <a:lnRef idx="1">
+            <a:schemeClr val="accent1"/>
+          </a:lnRef>
+          <a:fillRef idx="0">
+            <a:schemeClr val="accent1"/>
+          </a:fillRef>
+          <a:effectRef idx="0">
+            <a:schemeClr val="accent1"/>
+          </a:effectRef>
+          <a:fontRef idx="minor">
+            <a:schemeClr val="tx1"/>
+          </a:fontRef>
+        </p:style>
+      </p:cxnSp>
+      <p:cxnSp>
+        <p:nvCxnSpPr>
+          <p:cNvPr id="13" name="Straight Connector 12">
+            <a:extLst>
+              <a:ext uri="{FF2B5EF4-FFF2-40B4-BE49-F238E27FC236}">
+                <a16:creationId xmlns:a16="http://schemas.microsoft.com/office/drawing/2014/main" id="{4080B399-95CF-494B-B085-B5F54FEF970B}"/>
+              </a:ext>
+            </a:extLst>
+          </p:cNvPr>
+          <p:cNvCxnSpPr>
+            <a:cxnSpLocks/>
+          </p:cNvCxnSpPr>
+          <p:nvPr/>
+        </p:nvCxnSpPr>
+        <p:spPr>
+          <a:xfrm flipH="1">
+            <a:off x="17369104" y="990600"/>
+            <a:ext cx="504375" cy="0"/>
+          </a:xfrm>
+          <a:prstGeom prst="line">
+            <a:avLst/>
+          </a:prstGeom>
+          <a:ln w="28575">
+            <a:solidFill>
+              <a:srgbClr val="FF0000"/>
+            </a:solidFill>
+            <a:headEnd type="stealth" w="lg" len="lg"/>
+            <a:tailEnd type="none"/>
+          </a:ln>
+        </p:spPr>
+        <p:style>
+          <a:lnRef idx="1">
+            <a:schemeClr val="accent1"/>
+          </a:lnRef>
+          <a:fillRef idx="0">
+            <a:schemeClr val="accent1"/>
+          </a:fillRef>
+          <a:effectRef idx="0">
+            <a:schemeClr val="accent1"/>
+          </a:effectRef>
+          <a:fontRef idx="minor">
+            <a:schemeClr val="tx1"/>
+          </a:fontRef>
+        </p:style>
+      </p:cxnSp>
+      <p:cxnSp>
+        <p:nvCxnSpPr>
+          <p:cNvPr id="14" name="Straight Connector 13">
+            <a:extLst>
+              <a:ext uri="{FF2B5EF4-FFF2-40B4-BE49-F238E27FC236}">
+                <a16:creationId xmlns:a16="http://schemas.microsoft.com/office/drawing/2014/main" id="{02F0D3FB-4F0E-44C8-BF3B-5F90BC9B8D4C}"/>
+              </a:ext>
+            </a:extLst>
+          </p:cNvPr>
+          <p:cNvCxnSpPr>
+            <a:cxnSpLocks/>
+          </p:cNvCxnSpPr>
+          <p:nvPr/>
+        </p:nvCxnSpPr>
+        <p:spPr>
+          <a:xfrm flipH="1">
+            <a:off x="17395563" y="679451"/>
+            <a:ext cx="504375" cy="0"/>
+          </a:xfrm>
+          <a:prstGeom prst="line">
+            <a:avLst/>
+          </a:prstGeom>
+          <a:ln w="28575">
+            <a:solidFill>
+              <a:srgbClr val="FF0000"/>
+            </a:solidFill>
+            <a:headEnd type="stealth" w="lg" len="lg"/>
+            <a:tailEnd type="none"/>
+          </a:ln>
+        </p:spPr>
+        <p:style>
+          <a:lnRef idx="1">
+            <a:schemeClr val="accent1"/>
+          </a:lnRef>
+          <a:fillRef idx="0">
+            <a:schemeClr val="accent1"/>
+          </a:fillRef>
+          <a:effectRef idx="0">
+            <a:schemeClr val="accent1"/>
+          </a:effectRef>
+          <a:fontRef idx="minor">
+            <a:schemeClr val="tx1"/>
+          </a:fontRef>
+        </p:style>
+      </p:cxnSp>
+      <p:cxnSp>
+        <p:nvCxnSpPr>
+          <p:cNvPr id="15" name="Straight Connector 14">
+            <a:extLst>
+              <a:ext uri="{FF2B5EF4-FFF2-40B4-BE49-F238E27FC236}">
+                <a16:creationId xmlns:a16="http://schemas.microsoft.com/office/drawing/2014/main" id="{1B5DC865-93CD-4795-9728-B2210DE0A301}"/>
+              </a:ext>
+            </a:extLst>
+          </p:cNvPr>
+          <p:cNvCxnSpPr>
+            <a:cxnSpLocks/>
+          </p:cNvCxnSpPr>
+          <p:nvPr/>
+        </p:nvCxnSpPr>
+        <p:spPr>
+          <a:xfrm flipH="1" flipV="1">
+            <a:off x="19387530" y="759349"/>
+            <a:ext cx="500830" cy="120650"/>
+          </a:xfrm>
+          <a:prstGeom prst="line">
+            <a:avLst/>
+          </a:prstGeom>
+          <a:ln w="22225">
+            <a:solidFill>
+              <a:srgbClr val="FF0000"/>
+            </a:solidFill>
+            <a:headEnd type="stealth" w="lg" len="lg"/>
+            <a:tailEnd type="none"/>
+          </a:ln>
+        </p:spPr>
+        <p:style>
+          <a:lnRef idx="1">
+            <a:schemeClr val="accent1"/>
+          </a:lnRef>
+          <a:fillRef idx="0">
+            <a:schemeClr val="accent1"/>
+          </a:fillRef>
+          <a:effectRef idx="0">
+            <a:schemeClr val="accent1"/>
+          </a:effectRef>
+          <a:fontRef idx="minor">
+            <a:schemeClr val="tx1"/>
+          </a:fontRef>
+        </p:style>
+      </p:cxnSp>
+      <p:sp>
+        <p:nvSpPr>
+          <p:cNvPr id="23" name="TextBox 22">
+            <a:extLst>
+              <a:ext uri="{FF2B5EF4-FFF2-40B4-BE49-F238E27FC236}">
+                <a16:creationId xmlns:a16="http://schemas.microsoft.com/office/drawing/2014/main" id="{AC0E06C9-8B77-423A-91FE-31559D312189}"/>
+              </a:ext>
+            </a:extLst>
+          </p:cNvPr>
+          <p:cNvSpPr txBox="1"/>
+          <p:nvPr/>
+        </p:nvSpPr>
+        <p:spPr>
+          <a:xfrm>
+            <a:off x="15609399" y="937931"/>
+            <a:ext cx="2915763" cy="261610"/>
+          </a:xfrm>
+          <a:prstGeom prst="rect">
+            <a:avLst/>
+          </a:prstGeom>
+          <a:noFill/>
+        </p:spPr>
+        <p:txBody>
+          <a:bodyPr wrap="square" rtlCol="0">
+            <a:spAutoFit/>
+          </a:bodyPr>
+          <a:lstStyle/>
+          <a:p>
+            <a:r>
+              <a:rPr lang="fr-FR" sz="1100" dirty="0"/>
+              <a:t>axe optique</a:t>
+            </a:r>
+          </a:p>
+        </p:txBody>
+      </p:sp>
+      <p:sp>
+        <p:nvSpPr>
+          <p:cNvPr id="24" name="Multiplication Sign 23">
+            <a:extLst>
+              <a:ext uri="{FF2B5EF4-FFF2-40B4-BE49-F238E27FC236}">
+                <a16:creationId xmlns:a16="http://schemas.microsoft.com/office/drawing/2014/main" id="{3F4E22ED-835B-4E29-A510-279810BAF5AF}"/>
+              </a:ext>
+            </a:extLst>
+          </p:cNvPr>
+          <p:cNvSpPr/>
+          <p:nvPr/>
+        </p:nvSpPr>
+        <p:spPr>
+          <a:xfrm>
+            <a:off x="18941480" y="1021478"/>
+            <a:ext cx="298383" cy="286100"/>
+          </a:xfrm>
+          <a:prstGeom prst="mathMultiply">
+            <a:avLst>
+              <a:gd name="adj1" fmla="val 4472"/>
+            </a:avLst>
+          </a:prstGeom>
+        </p:spPr>
+        <p:style>
+          <a:lnRef idx="2">
+            <a:schemeClr val="accent1">
+              <a:shade val="50000"/>
+            </a:schemeClr>
+          </a:lnRef>
+          <a:fillRef idx="1">
+            <a:schemeClr val="accent1"/>
+          </a:fillRef>
+          <a:effectRef idx="0">
+            <a:schemeClr val="accent1"/>
+          </a:effectRef>
+          <a:fontRef idx="minor">
+            <a:schemeClr val="lt1"/>
+          </a:fontRef>
+        </p:style>
+        <p:txBody>
+          <a:bodyPr rtlCol="0" anchor="ctr"/>
+          <a:lstStyle/>
+          <a:p>
+            <a:pPr algn="ctr"/>
+            <a:endParaRPr lang="fr-FR"/>
+          </a:p>
+        </p:txBody>
+      </p:sp>
+      <p:cxnSp>
+        <p:nvCxnSpPr>
+          <p:cNvPr id="25" name="Straight Connector 24">
+            <a:extLst>
+              <a:ext uri="{FF2B5EF4-FFF2-40B4-BE49-F238E27FC236}">
+                <a16:creationId xmlns:a16="http://schemas.microsoft.com/office/drawing/2014/main" id="{D51969C4-7A1F-482A-9BCA-3A9E7F778D89}"/>
+              </a:ext>
+            </a:extLst>
+          </p:cNvPr>
+          <p:cNvCxnSpPr>
+            <a:cxnSpLocks/>
+          </p:cNvCxnSpPr>
+          <p:nvPr/>
+        </p:nvCxnSpPr>
+        <p:spPr>
+          <a:xfrm>
+            <a:off x="15706450" y="1158108"/>
+            <a:ext cx="8785750" cy="10771"/>
+          </a:xfrm>
+          <a:prstGeom prst="line">
+            <a:avLst/>
+          </a:prstGeom>
+          <a:ln w="15875">
+            <a:solidFill>
+              <a:schemeClr val="tx1"/>
+            </a:solidFill>
+            <a:prstDash val="dash"/>
+          </a:ln>
+        </p:spPr>
+        <p:style>
+          <a:lnRef idx="1">
+            <a:schemeClr val="accent1"/>
+          </a:lnRef>
+          <a:fillRef idx="0">
+            <a:schemeClr val="accent1"/>
+          </a:fillRef>
+          <a:effectRef idx="0">
+            <a:schemeClr val="accent1"/>
+          </a:effectRef>
+          <a:fontRef idx="minor">
+            <a:schemeClr val="tx1"/>
+          </a:fontRef>
+        </p:style>
+      </p:cxnSp>
+      <p:sp>
+        <p:nvSpPr>
+          <p:cNvPr id="26" name="TextBox 25">
+            <a:extLst>
+              <a:ext uri="{FF2B5EF4-FFF2-40B4-BE49-F238E27FC236}">
+                <a16:creationId xmlns:a16="http://schemas.microsoft.com/office/drawing/2014/main" id="{FEE1CB65-4BF4-460D-876E-36F9E0FE7A86}"/>
+              </a:ext>
+            </a:extLst>
+          </p:cNvPr>
+          <p:cNvSpPr txBox="1"/>
+          <p:nvPr/>
+        </p:nvSpPr>
+        <p:spPr>
+          <a:xfrm>
+            <a:off x="18919095" y="1159455"/>
+            <a:ext cx="289077" cy="369332"/>
+          </a:xfrm>
+          <a:prstGeom prst="rect">
+            <a:avLst/>
+          </a:prstGeom>
+          <a:noFill/>
+        </p:spPr>
+        <p:txBody>
+          <a:bodyPr wrap="square" rtlCol="0">
+            <a:spAutoFit/>
+          </a:bodyPr>
+          <a:lstStyle/>
+          <a:p>
+            <a:r>
+              <a:rPr lang="fr-FR" dirty="0"/>
+              <a:t>O</a:t>
+            </a:r>
+          </a:p>
+        </p:txBody>
+      </p:sp>
+      <p:cxnSp>
+        <p:nvCxnSpPr>
+          <p:cNvPr id="28" name="Straight Connector 27">
+            <a:extLst>
+              <a:ext uri="{FF2B5EF4-FFF2-40B4-BE49-F238E27FC236}">
+                <a16:creationId xmlns:a16="http://schemas.microsoft.com/office/drawing/2014/main" id="{C15D9B37-D508-4414-921A-6C485E0630CD}"/>
+              </a:ext>
+            </a:extLst>
+          </p:cNvPr>
+          <p:cNvCxnSpPr>
+            <a:cxnSpLocks/>
+          </p:cNvCxnSpPr>
+          <p:nvPr/>
+        </p:nvCxnSpPr>
+        <p:spPr>
+          <a:xfrm>
+            <a:off x="16308699" y="2600492"/>
+            <a:ext cx="2625183" cy="0"/>
+          </a:xfrm>
+          <a:prstGeom prst="line">
+            <a:avLst/>
+          </a:prstGeom>
+          <a:ln w="28575">
+            <a:solidFill>
+              <a:srgbClr val="FF0000"/>
+            </a:solidFill>
+          </a:ln>
+        </p:spPr>
+        <p:style>
+          <a:lnRef idx="1">
+            <a:schemeClr val="accent1"/>
+          </a:lnRef>
+          <a:fillRef idx="0">
+            <a:schemeClr val="accent1"/>
+          </a:fillRef>
+          <a:effectRef idx="0">
+            <a:schemeClr val="accent1"/>
+          </a:effectRef>
+          <a:fontRef idx="minor">
+            <a:schemeClr val="tx1"/>
+          </a:fontRef>
+        </p:style>
+      </p:cxnSp>
+      <p:cxnSp>
+        <p:nvCxnSpPr>
+          <p:cNvPr id="29" name="Straight Connector 28">
+            <a:extLst>
+              <a:ext uri="{FF2B5EF4-FFF2-40B4-BE49-F238E27FC236}">
+                <a16:creationId xmlns:a16="http://schemas.microsoft.com/office/drawing/2014/main" id="{37A73F68-BF6C-4B0A-816F-A38BEAB9973D}"/>
+              </a:ext>
+            </a:extLst>
+          </p:cNvPr>
+          <p:cNvCxnSpPr>
+            <a:cxnSpLocks/>
+          </p:cNvCxnSpPr>
+          <p:nvPr/>
+        </p:nvCxnSpPr>
+        <p:spPr>
+          <a:xfrm flipH="1">
+            <a:off x="17646119" y="2600492"/>
+            <a:ext cx="504375" cy="0"/>
+          </a:xfrm>
+          <a:prstGeom prst="line">
+            <a:avLst/>
+          </a:prstGeom>
+          <a:ln w="28575">
+            <a:solidFill>
+              <a:srgbClr val="FF0000"/>
+            </a:solidFill>
+            <a:headEnd type="stealth" w="lg" len="lg"/>
+            <a:tailEnd type="none"/>
+          </a:ln>
+        </p:spPr>
+        <p:style>
+          <a:lnRef idx="1">
+            <a:schemeClr val="accent1"/>
+          </a:lnRef>
+          <a:fillRef idx="0">
+            <a:schemeClr val="accent1"/>
+          </a:fillRef>
+          <a:effectRef idx="0">
+            <a:schemeClr val="accent1"/>
+          </a:effectRef>
+          <a:fontRef idx="minor">
+            <a:schemeClr val="tx1"/>
+          </a:fontRef>
+        </p:style>
+      </p:cxnSp>
+      <p:sp>
+        <p:nvSpPr>
+          <p:cNvPr id="30" name="TextBox 29">
+            <a:extLst>
+              <a:ext uri="{FF2B5EF4-FFF2-40B4-BE49-F238E27FC236}">
+                <a16:creationId xmlns:a16="http://schemas.microsoft.com/office/drawing/2014/main" id="{6E2BAD7D-43E8-4A74-9DD4-870BA095F3A0}"/>
+              </a:ext>
+            </a:extLst>
+          </p:cNvPr>
+          <p:cNvSpPr txBox="1"/>
+          <p:nvPr/>
+        </p:nvSpPr>
+        <p:spPr>
+          <a:xfrm>
+            <a:off x="15013269" y="3466035"/>
+            <a:ext cx="3013022" cy="261610"/>
+          </a:xfrm>
+          <a:prstGeom prst="rect">
+            <a:avLst/>
+          </a:prstGeom>
+          <a:noFill/>
+        </p:spPr>
+        <p:txBody>
+          <a:bodyPr wrap="square" rtlCol="0">
+            <a:spAutoFit/>
+          </a:bodyPr>
+          <a:lstStyle/>
+          <a:p>
+            <a:r>
+              <a:rPr lang="fr-FR" sz="1100" b="1" dirty="0"/>
+              <a:t>Axe optique</a:t>
+            </a:r>
+          </a:p>
+        </p:txBody>
+      </p:sp>
+      <p:cxnSp>
+        <p:nvCxnSpPr>
+          <p:cNvPr id="31" name="Straight Connector 30">
+            <a:extLst>
+              <a:ext uri="{FF2B5EF4-FFF2-40B4-BE49-F238E27FC236}">
+                <a16:creationId xmlns:a16="http://schemas.microsoft.com/office/drawing/2014/main" id="{4BB6BCCA-006A-403B-B5CA-B9F1E68F4915}"/>
+              </a:ext>
+            </a:extLst>
+          </p:cNvPr>
+          <p:cNvCxnSpPr>
+            <a:cxnSpLocks/>
+          </p:cNvCxnSpPr>
+          <p:nvPr/>
+        </p:nvCxnSpPr>
+        <p:spPr>
+          <a:xfrm flipV="1">
+            <a:off x="15208250" y="3672882"/>
+            <a:ext cx="4109636" cy="10556"/>
+          </a:xfrm>
+          <a:prstGeom prst="line">
+            <a:avLst/>
+          </a:prstGeom>
+          <a:ln w="15875">
+            <a:solidFill>
+              <a:schemeClr val="tx1"/>
+            </a:solidFill>
+            <a:prstDash val="dash"/>
+          </a:ln>
+        </p:spPr>
+        <p:style>
+          <a:lnRef idx="1">
+            <a:schemeClr val="accent1"/>
+          </a:lnRef>
+          <a:fillRef idx="0">
+            <a:schemeClr val="accent1"/>
+          </a:fillRef>
+          <a:effectRef idx="0">
+            <a:schemeClr val="accent1"/>
+          </a:effectRef>
+          <a:fontRef idx="minor">
+            <a:schemeClr val="tx1"/>
+          </a:fontRef>
+        </p:style>
+      </p:cxnSp>
+      <p:cxnSp>
+        <p:nvCxnSpPr>
+          <p:cNvPr id="33" name="Straight Connector 32">
+            <a:extLst>
+              <a:ext uri="{FF2B5EF4-FFF2-40B4-BE49-F238E27FC236}">
+                <a16:creationId xmlns:a16="http://schemas.microsoft.com/office/drawing/2014/main" id="{0BF6504C-6C7B-4C1B-B964-743FF8ECA8B8}"/>
+              </a:ext>
+            </a:extLst>
+          </p:cNvPr>
+          <p:cNvCxnSpPr>
+            <a:cxnSpLocks/>
+          </p:cNvCxnSpPr>
+          <p:nvPr/>
+        </p:nvCxnSpPr>
+        <p:spPr>
+          <a:xfrm>
+            <a:off x="19317886" y="3672667"/>
+            <a:ext cx="8785750" cy="10771"/>
+          </a:xfrm>
+          <a:prstGeom prst="line">
+            <a:avLst/>
+          </a:prstGeom>
+          <a:ln w="15875">
+            <a:solidFill>
+              <a:schemeClr val="tx1"/>
+            </a:solidFill>
+            <a:prstDash val="dash"/>
+          </a:ln>
+        </p:spPr>
+        <p:style>
+          <a:lnRef idx="1">
+            <a:schemeClr val="accent1"/>
+          </a:lnRef>
+          <a:fillRef idx="0">
+            <a:schemeClr val="accent1"/>
+          </a:fillRef>
+          <a:effectRef idx="0">
+            <a:schemeClr val="accent1"/>
+          </a:effectRef>
+          <a:fontRef idx="minor">
+            <a:schemeClr val="tx1"/>
+          </a:fontRef>
+        </p:style>
+      </p:cxnSp>
+      <p:cxnSp>
+        <p:nvCxnSpPr>
+          <p:cNvPr id="39" name="Straight Connector 38">
+            <a:extLst>
+              <a:ext uri="{FF2B5EF4-FFF2-40B4-BE49-F238E27FC236}">
+                <a16:creationId xmlns:a16="http://schemas.microsoft.com/office/drawing/2014/main" id="{0765EB06-95A8-4544-A68F-733ECB53A606}"/>
+              </a:ext>
+            </a:extLst>
+          </p:cNvPr>
+          <p:cNvCxnSpPr>
+            <a:cxnSpLocks/>
+          </p:cNvCxnSpPr>
+          <p:nvPr/>
+        </p:nvCxnSpPr>
+        <p:spPr>
+          <a:xfrm>
+            <a:off x="16762345" y="3276934"/>
+            <a:ext cx="2676100" cy="0"/>
+          </a:xfrm>
+          <a:prstGeom prst="line">
+            <a:avLst/>
+          </a:prstGeom>
+          <a:ln w="28575">
+            <a:solidFill>
+              <a:srgbClr val="FF0000"/>
+            </a:solidFill>
+          </a:ln>
+        </p:spPr>
+        <p:style>
+          <a:lnRef idx="1">
+            <a:schemeClr val="accent1"/>
+          </a:lnRef>
+          <a:fillRef idx="0">
+            <a:schemeClr val="accent1"/>
+          </a:fillRef>
+          <a:effectRef idx="0">
+            <a:schemeClr val="accent1"/>
+          </a:effectRef>
+          <a:fontRef idx="minor">
+            <a:schemeClr val="tx1"/>
+          </a:fontRef>
+        </p:style>
+      </p:cxnSp>
+      <p:cxnSp>
+        <p:nvCxnSpPr>
+          <p:cNvPr id="40" name="Straight Connector 39">
+            <a:extLst>
+              <a:ext uri="{FF2B5EF4-FFF2-40B4-BE49-F238E27FC236}">
+                <a16:creationId xmlns:a16="http://schemas.microsoft.com/office/drawing/2014/main" id="{81EF0BD1-47A2-41BA-9C36-47BC98E0EEAE}"/>
+              </a:ext>
+            </a:extLst>
+          </p:cNvPr>
+          <p:cNvCxnSpPr>
+            <a:cxnSpLocks/>
+          </p:cNvCxnSpPr>
+          <p:nvPr/>
+        </p:nvCxnSpPr>
+        <p:spPr>
+          <a:xfrm flipH="1">
+            <a:off x="17522032" y="3276934"/>
+            <a:ext cx="504375" cy="0"/>
+          </a:xfrm>
+          <a:prstGeom prst="line">
+            <a:avLst/>
+          </a:prstGeom>
+          <a:ln w="28575">
+            <a:solidFill>
+              <a:srgbClr val="FF0000"/>
+            </a:solidFill>
+            <a:headEnd type="stealth" w="lg" len="lg"/>
+            <a:tailEnd type="none"/>
+          </a:ln>
+        </p:spPr>
+        <p:style>
+          <a:lnRef idx="1">
+            <a:schemeClr val="accent1"/>
+          </a:lnRef>
+          <a:fillRef idx="0">
+            <a:schemeClr val="accent1"/>
+          </a:fillRef>
+          <a:effectRef idx="0">
+            <a:schemeClr val="accent1"/>
+          </a:effectRef>
+          <a:fontRef idx="minor">
+            <a:schemeClr val="tx1"/>
+          </a:fontRef>
+        </p:style>
+      </p:cxnSp>
+      <p:cxnSp>
+        <p:nvCxnSpPr>
+          <p:cNvPr id="41" name="Straight Connector 40">
+            <a:extLst>
+              <a:ext uri="{FF2B5EF4-FFF2-40B4-BE49-F238E27FC236}">
+                <a16:creationId xmlns:a16="http://schemas.microsoft.com/office/drawing/2014/main" id="{AE3D3CAA-1680-4567-AE39-BAE4A476E0BD}"/>
+              </a:ext>
+            </a:extLst>
+          </p:cNvPr>
+          <p:cNvCxnSpPr>
+            <a:cxnSpLocks/>
+          </p:cNvCxnSpPr>
+          <p:nvPr/>
+        </p:nvCxnSpPr>
+        <p:spPr>
+          <a:xfrm>
+            <a:off x="16762347" y="3452705"/>
+            <a:ext cx="2625183" cy="0"/>
+          </a:xfrm>
+          <a:prstGeom prst="line">
+            <a:avLst/>
+          </a:prstGeom>
+          <a:ln w="28575">
+            <a:solidFill>
+              <a:srgbClr val="FF0000"/>
+            </a:solidFill>
+          </a:ln>
+        </p:spPr>
+        <p:style>
+          <a:lnRef idx="1">
+            <a:schemeClr val="accent1"/>
+          </a:lnRef>
+          <a:fillRef idx="0">
+            <a:schemeClr val="accent1"/>
+          </a:fillRef>
+          <a:effectRef idx="0">
+            <a:schemeClr val="accent1"/>
+          </a:effectRef>
+          <a:fontRef idx="minor">
+            <a:schemeClr val="tx1"/>
+          </a:fontRef>
+        </p:style>
+      </p:cxnSp>
+      <p:cxnSp>
+        <p:nvCxnSpPr>
+          <p:cNvPr id="42" name="Straight Connector 41">
+            <a:extLst>
+              <a:ext uri="{FF2B5EF4-FFF2-40B4-BE49-F238E27FC236}">
+                <a16:creationId xmlns:a16="http://schemas.microsoft.com/office/drawing/2014/main" id="{BE1C8EBE-1AF9-499A-9579-D9FF14DF71A2}"/>
+              </a:ext>
+            </a:extLst>
+          </p:cNvPr>
+          <p:cNvCxnSpPr>
+            <a:cxnSpLocks/>
+          </p:cNvCxnSpPr>
+          <p:nvPr/>
+        </p:nvCxnSpPr>
+        <p:spPr>
+          <a:xfrm flipH="1">
+            <a:off x="17521917" y="3452705"/>
+            <a:ext cx="504375" cy="0"/>
+          </a:xfrm>
+          <a:prstGeom prst="line">
+            <a:avLst/>
+          </a:prstGeom>
+          <a:ln w="28575">
+            <a:solidFill>
+              <a:srgbClr val="FF0000"/>
+            </a:solidFill>
+            <a:headEnd type="stealth" w="lg" len="lg"/>
+            <a:tailEnd type="none"/>
+          </a:ln>
+        </p:spPr>
+        <p:style>
+          <a:lnRef idx="1">
+            <a:schemeClr val="accent1"/>
+          </a:lnRef>
+          <a:fillRef idx="0">
+            <a:schemeClr val="accent1"/>
+          </a:fillRef>
+          <a:effectRef idx="0">
+            <a:schemeClr val="accent1"/>
+          </a:effectRef>
+          <a:fontRef idx="minor">
+            <a:schemeClr val="tx1"/>
+          </a:fontRef>
+        </p:style>
+      </p:cxnSp>
+      <p:cxnSp>
+        <p:nvCxnSpPr>
+          <p:cNvPr id="43" name="Straight Connector 42">
+            <a:extLst>
+              <a:ext uri="{FF2B5EF4-FFF2-40B4-BE49-F238E27FC236}">
+                <a16:creationId xmlns:a16="http://schemas.microsoft.com/office/drawing/2014/main" id="{A1B0F9B4-F199-4E41-9B0E-A00CB8E864AA}"/>
+              </a:ext>
+            </a:extLst>
+          </p:cNvPr>
+          <p:cNvCxnSpPr>
+            <a:cxnSpLocks/>
+          </p:cNvCxnSpPr>
+          <p:nvPr/>
+        </p:nvCxnSpPr>
+        <p:spPr>
+          <a:xfrm>
+            <a:off x="16762346" y="3869517"/>
+            <a:ext cx="2625183" cy="0"/>
+          </a:xfrm>
+          <a:prstGeom prst="line">
+            <a:avLst/>
+          </a:prstGeom>
+          <a:ln w="28575">
+            <a:solidFill>
+              <a:srgbClr val="FF0000"/>
+            </a:solidFill>
+          </a:ln>
+        </p:spPr>
+        <p:style>
+          <a:lnRef idx="1">
+            <a:schemeClr val="accent1"/>
+          </a:lnRef>
+          <a:fillRef idx="0">
+            <a:schemeClr val="accent1"/>
+          </a:fillRef>
+          <a:effectRef idx="0">
+            <a:schemeClr val="accent1"/>
+          </a:effectRef>
+          <a:fontRef idx="minor">
+            <a:schemeClr val="tx1"/>
+          </a:fontRef>
+        </p:style>
+      </p:cxnSp>
+      <p:cxnSp>
+        <p:nvCxnSpPr>
+          <p:cNvPr id="44" name="Straight Connector 43">
+            <a:extLst>
+              <a:ext uri="{FF2B5EF4-FFF2-40B4-BE49-F238E27FC236}">
+                <a16:creationId xmlns:a16="http://schemas.microsoft.com/office/drawing/2014/main" id="{608DF163-F9E7-477D-AF7A-20114CCDD520}"/>
+              </a:ext>
+            </a:extLst>
+          </p:cNvPr>
+          <p:cNvCxnSpPr>
+            <a:cxnSpLocks/>
+          </p:cNvCxnSpPr>
+          <p:nvPr/>
+        </p:nvCxnSpPr>
+        <p:spPr>
+          <a:xfrm flipH="1">
+            <a:off x="17540966" y="3869517"/>
+            <a:ext cx="504375" cy="0"/>
+          </a:xfrm>
+          <a:prstGeom prst="line">
+            <a:avLst/>
+          </a:prstGeom>
+          <a:ln w="28575">
+            <a:solidFill>
+              <a:srgbClr val="FF0000"/>
+            </a:solidFill>
+            <a:headEnd type="stealth" w="lg" len="lg"/>
+            <a:tailEnd type="none"/>
+          </a:ln>
+        </p:spPr>
+        <p:style>
+          <a:lnRef idx="1">
+            <a:schemeClr val="accent1"/>
+          </a:lnRef>
+          <a:fillRef idx="0">
+            <a:schemeClr val="accent1"/>
+          </a:fillRef>
+          <a:effectRef idx="0">
+            <a:schemeClr val="accent1"/>
+          </a:effectRef>
+          <a:fontRef idx="minor">
+            <a:schemeClr val="tx1"/>
+          </a:fontRef>
+        </p:style>
+      </p:cxnSp>
+      <p:cxnSp>
+        <p:nvCxnSpPr>
+          <p:cNvPr id="45" name="Straight Connector 44">
+            <a:extLst>
+              <a:ext uri="{FF2B5EF4-FFF2-40B4-BE49-F238E27FC236}">
+                <a16:creationId xmlns:a16="http://schemas.microsoft.com/office/drawing/2014/main" id="{21A117B7-67C6-4499-92E0-061FBCA74520}"/>
+              </a:ext>
+            </a:extLst>
+          </p:cNvPr>
+          <p:cNvCxnSpPr>
+            <a:cxnSpLocks/>
+          </p:cNvCxnSpPr>
+          <p:nvPr/>
+        </p:nvCxnSpPr>
+        <p:spPr>
+          <a:xfrm>
+            <a:off x="16762345" y="4085195"/>
+            <a:ext cx="2625183" cy="0"/>
+          </a:xfrm>
+          <a:prstGeom prst="line">
+            <a:avLst/>
+          </a:prstGeom>
+          <a:ln w="28575">
+            <a:solidFill>
+              <a:srgbClr val="FF0000"/>
+            </a:solidFill>
+          </a:ln>
+        </p:spPr>
+        <p:style>
+          <a:lnRef idx="1">
+            <a:schemeClr val="accent1"/>
+          </a:lnRef>
+          <a:fillRef idx="0">
+            <a:schemeClr val="accent1"/>
+          </a:fillRef>
+          <a:effectRef idx="0">
+            <a:schemeClr val="accent1"/>
+          </a:effectRef>
+          <a:fontRef idx="minor">
+            <a:schemeClr val="tx1"/>
+          </a:fontRef>
+        </p:style>
+      </p:cxnSp>
+      <p:cxnSp>
+        <p:nvCxnSpPr>
+          <p:cNvPr id="46" name="Straight Connector 45">
+            <a:extLst>
+              <a:ext uri="{FF2B5EF4-FFF2-40B4-BE49-F238E27FC236}">
+                <a16:creationId xmlns:a16="http://schemas.microsoft.com/office/drawing/2014/main" id="{35CFEEAE-7D63-4C04-A03A-CA2CFC9EECF9}"/>
+              </a:ext>
+            </a:extLst>
+          </p:cNvPr>
+          <p:cNvCxnSpPr>
+            <a:cxnSpLocks/>
+          </p:cNvCxnSpPr>
+          <p:nvPr/>
+        </p:nvCxnSpPr>
+        <p:spPr>
+          <a:xfrm flipH="1">
+            <a:off x="17509215" y="4085195"/>
+            <a:ext cx="504375" cy="0"/>
+          </a:xfrm>
+          <a:prstGeom prst="line">
+            <a:avLst/>
+          </a:prstGeom>
+          <a:ln w="28575">
+            <a:solidFill>
+              <a:srgbClr val="FF0000"/>
+            </a:solidFill>
+            <a:headEnd type="stealth" w="lg" len="lg"/>
+            <a:tailEnd type="none"/>
+          </a:ln>
+        </p:spPr>
+        <p:style>
+          <a:lnRef idx="1">
+            <a:schemeClr val="accent1"/>
+          </a:lnRef>
+          <a:fillRef idx="0">
+            <a:schemeClr val="accent1"/>
+          </a:fillRef>
+          <a:effectRef idx="0">
+            <a:schemeClr val="accent1"/>
+          </a:effectRef>
+          <a:fontRef idx="minor">
+            <a:schemeClr val="tx1"/>
+          </a:fontRef>
+        </p:style>
+      </p:cxnSp>
+      <p:cxnSp>
+        <p:nvCxnSpPr>
+          <p:cNvPr id="49" name="Straight Connector 48">
+            <a:extLst>
+              <a:ext uri="{FF2B5EF4-FFF2-40B4-BE49-F238E27FC236}">
+                <a16:creationId xmlns:a16="http://schemas.microsoft.com/office/drawing/2014/main" id="{E4B1A0F6-0FBA-4E8E-BA87-BFE9C5C7B069}"/>
+              </a:ext>
+            </a:extLst>
+          </p:cNvPr>
+          <p:cNvCxnSpPr>
+            <a:cxnSpLocks/>
+          </p:cNvCxnSpPr>
+          <p:nvPr/>
+        </p:nvCxnSpPr>
+        <p:spPr>
+          <a:xfrm flipH="1" flipV="1">
+            <a:off x="20360524" y="3425672"/>
+            <a:ext cx="521452" cy="85878"/>
+          </a:xfrm>
+          <a:prstGeom prst="line">
+            <a:avLst/>
+          </a:prstGeom>
+          <a:ln w="28575">
+            <a:solidFill>
+              <a:srgbClr val="FF0000"/>
+            </a:solidFill>
+            <a:headEnd type="stealth" w="lg" len="lg"/>
+            <a:tailEnd type="none"/>
+          </a:ln>
+        </p:spPr>
+        <p:style>
+          <a:lnRef idx="1">
+            <a:schemeClr val="accent1"/>
+          </a:lnRef>
+          <a:fillRef idx="0">
+            <a:schemeClr val="accent1"/>
+          </a:fillRef>
+          <a:effectRef idx="0">
+            <a:schemeClr val="accent1"/>
+          </a:effectRef>
+          <a:fontRef idx="minor">
+            <a:schemeClr val="tx1"/>
+          </a:fontRef>
+        </p:style>
+      </p:cxnSp>
+      <p:cxnSp>
+        <p:nvCxnSpPr>
+          <p:cNvPr id="52" name="Straight Connector 51">
+            <a:extLst>
+              <a:ext uri="{FF2B5EF4-FFF2-40B4-BE49-F238E27FC236}">
+                <a16:creationId xmlns:a16="http://schemas.microsoft.com/office/drawing/2014/main" id="{6F6DCAF1-567A-45FF-883F-4CEB2623B151}"/>
+              </a:ext>
+            </a:extLst>
+          </p:cNvPr>
+          <p:cNvCxnSpPr>
+            <a:cxnSpLocks/>
+          </p:cNvCxnSpPr>
+          <p:nvPr/>
+        </p:nvCxnSpPr>
+        <p:spPr>
+          <a:xfrm>
+            <a:off x="16762345" y="3662693"/>
+            <a:ext cx="2625183" cy="0"/>
+          </a:xfrm>
+          <a:prstGeom prst="line">
+            <a:avLst/>
+          </a:prstGeom>
+          <a:ln w="28575">
+            <a:solidFill>
+              <a:srgbClr val="FF0000"/>
+            </a:solidFill>
+          </a:ln>
+        </p:spPr>
+        <p:style>
+          <a:lnRef idx="1">
+            <a:schemeClr val="accent1"/>
+          </a:lnRef>
+          <a:fillRef idx="0">
+            <a:schemeClr val="accent1"/>
+          </a:fillRef>
+          <a:effectRef idx="0">
+            <a:schemeClr val="accent1"/>
+          </a:effectRef>
+          <a:fontRef idx="minor">
+            <a:schemeClr val="tx1"/>
+          </a:fontRef>
+        </p:style>
+      </p:cxnSp>
+      <p:cxnSp>
+        <p:nvCxnSpPr>
+          <p:cNvPr id="53" name="Straight Connector 52">
+            <a:extLst>
+              <a:ext uri="{FF2B5EF4-FFF2-40B4-BE49-F238E27FC236}">
+                <a16:creationId xmlns:a16="http://schemas.microsoft.com/office/drawing/2014/main" id="{383A24C9-5D50-4C1D-9738-E772CB3E0DA4}"/>
+              </a:ext>
+            </a:extLst>
+          </p:cNvPr>
+          <p:cNvCxnSpPr>
+            <a:cxnSpLocks/>
+          </p:cNvCxnSpPr>
+          <p:nvPr/>
+        </p:nvCxnSpPr>
+        <p:spPr>
+          <a:xfrm flipH="1">
+            <a:off x="17521915" y="3662693"/>
+            <a:ext cx="504375" cy="0"/>
+          </a:xfrm>
+          <a:prstGeom prst="line">
+            <a:avLst/>
+          </a:prstGeom>
+          <a:ln w="28575">
+            <a:solidFill>
+              <a:srgbClr val="FF0000"/>
+            </a:solidFill>
+            <a:headEnd type="stealth" w="lg" len="lg"/>
+            <a:tailEnd type="none"/>
+          </a:ln>
+        </p:spPr>
+        <p:style>
+          <a:lnRef idx="1">
+            <a:schemeClr val="accent1"/>
+          </a:lnRef>
+          <a:fillRef idx="0">
+            <a:schemeClr val="accent1"/>
+          </a:fillRef>
+          <a:effectRef idx="0">
+            <a:schemeClr val="accent1"/>
+          </a:effectRef>
+          <a:fontRef idx="minor">
+            <a:schemeClr val="tx1"/>
+          </a:fontRef>
+        </p:style>
+      </p:cxnSp>
+      <p:pic>
+        <p:nvPicPr>
+          <p:cNvPr id="27" name="Image 2803" descr="Résultat de recherche d'images pour &quot;image d'une loupe&quot;">
+            <a:extLst>
+              <a:ext uri="{FF2B5EF4-FFF2-40B4-BE49-F238E27FC236}">
+                <a16:creationId xmlns:a16="http://schemas.microsoft.com/office/drawing/2014/main" id="{0AFF51CA-22F3-47FC-BEC1-EB74D3144942}"/>
+              </a:ext>
+            </a:extLst>
+          </p:cNvPr>
+          <p:cNvPicPr/>
+          <p:nvPr/>
+        </p:nvPicPr>
+        <p:blipFill>
+          <a:blip r:embed="rId4">
+            <a:alphaModFix amt="86000"/>
+            <a:extLst>
+              <a:ext uri="{BEBA8EAE-BF5A-486C-A8C5-ECC9F3942E4B}">
+                <a14:imgProps xmlns:a14="http://schemas.microsoft.com/office/drawing/2010/main">
+                  <a14:imgLayer r:embed="rId5">
+                    <a14:imgEffect>
+                      <a14:backgroundRemoval t="1942" b="93528" l="4000" r="96706">
+                        <a14:foregroundMark x1="25647" y1="76375" x2="25647" y2="76375"/>
+                        <a14:foregroundMark x1="34824" y1="71197" x2="34824" y2="71197"/>
+                        <a14:foregroundMark x1="38118" y1="68285" x2="38118" y2="68285"/>
+                        <a14:foregroundMark x1="41882" y1="63754" x2="41882" y2="63754"/>
+                        <a14:foregroundMark x1="14824" y1="82201" x2="14824" y2="82201"/>
+                        <a14:foregroundMark x1="6824" y1="86731" x2="6824" y2="86731"/>
+                        <a14:foregroundMark x1="6118" y1="93851" x2="6118" y2="93851"/>
+                        <a14:foregroundMark x1="4235" y1="91586" x2="4235" y2="91586"/>
+                        <a14:foregroundMark x1="43765" y1="62136" x2="43765" y2="62136"/>
+                        <a14:foregroundMark x1="54118" y1="51780" x2="54118" y2="51780"/>
+                        <a14:foregroundMark x1="53647" y1="54693" x2="53647" y2="54693"/>
+                        <a14:foregroundMark x1="78588" y1="45955" x2="78588" y2="45955"/>
+                        <a14:foregroundMark x1="92941" y1="18123" x2="92941" y2="18123"/>
+                        <a14:foregroundMark x1="84235" y1="7120" x2="84235" y2="7120"/>
+                        <a14:foregroundMark x1="76706" y1="4531" x2="76706" y2="4531"/>
+                        <a14:foregroundMark x1="78118" y1="3236" x2="78118" y2="3236"/>
+                        <a14:foregroundMark x1="79765" y1="2589" x2="79765" y2="2589"/>
+                        <a14:foregroundMark x1="82824" y1="2265" x2="82824" y2="2265"/>
+                        <a14:foregroundMark x1="96706" y1="26214" x2="96706" y2="26214"/>
+                        <a14:foregroundMark x1="69412" y1="64725" x2="69412" y2="64725"/>
+                        <a14:foregroundMark x1="68471" y1="64401" x2="68471" y2="64401"/>
+                        <a14:backgroundMark x1="72471" y1="971" x2="72471" y2="971"/>
+                        <a14:backgroundMark x1="73882" y1="971" x2="73882" y2="971"/>
+                        <a14:backgroundMark x1="75059" y1="647" x2="75059" y2="647"/>
+                        <a14:backgroundMark x1="76235" y1="647" x2="76235" y2="647"/>
+                      </a14:backgroundRemoval>
+                    </a14:imgEffect>
+                  </a14:imgLayer>
+                </a14:imgProps>
+              </a:ext>
+              <a:ext uri="{28A0092B-C50C-407E-A947-70E740481C1C}">
+                <a14:useLocalDpi xmlns:a14="http://schemas.microsoft.com/office/drawing/2010/main" val="0"/>
+              </a:ext>
+            </a:extLst>
+          </a:blip>
+          <a:srcRect/>
+          <a:stretch>
+            <a:fillRect/>
+          </a:stretch>
+        </p:blipFill>
+        <p:spPr bwMode="auto">
+          <a:xfrm>
+            <a:off x="17080913" y="2863407"/>
+            <a:ext cx="2915762" cy="2349943"/>
+          </a:xfrm>
+          <a:prstGeom prst="rect">
+            <a:avLst/>
+          </a:prstGeom>
+          <a:noFill/>
+          <a:ln>
+            <a:noFill/>
+          </a:ln>
+        </p:spPr>
+      </p:pic>
+      <p:cxnSp>
+        <p:nvCxnSpPr>
+          <p:cNvPr id="35" name="Straight Connector 34">
+            <a:extLst>
+              <a:ext uri="{FF2B5EF4-FFF2-40B4-BE49-F238E27FC236}">
+                <a16:creationId xmlns:a16="http://schemas.microsoft.com/office/drawing/2014/main" id="{80987EF1-F5BC-4A90-BF2E-DAA70B73AF70}"/>
+              </a:ext>
+            </a:extLst>
+          </p:cNvPr>
+          <p:cNvCxnSpPr>
+            <a:cxnSpLocks/>
+          </p:cNvCxnSpPr>
+          <p:nvPr/>
+        </p:nvCxnSpPr>
+        <p:spPr>
+          <a:xfrm>
+            <a:off x="19415145" y="3276934"/>
+            <a:ext cx="3432155" cy="552116"/>
+          </a:xfrm>
+          <a:prstGeom prst="line">
+            <a:avLst/>
+          </a:prstGeom>
+          <a:ln w="28575">
+            <a:solidFill>
+              <a:srgbClr val="FF0000"/>
+            </a:solidFill>
+          </a:ln>
+        </p:spPr>
+        <p:style>
+          <a:lnRef idx="1">
+            <a:schemeClr val="accent1"/>
+          </a:lnRef>
+          <a:fillRef idx="0">
+            <a:schemeClr val="accent1"/>
+          </a:fillRef>
+          <a:effectRef idx="0">
+            <a:schemeClr val="accent1"/>
+          </a:effectRef>
+          <a:fontRef idx="minor">
+            <a:schemeClr val="tx1"/>
+          </a:fontRef>
+        </p:style>
+      </p:cxnSp>
+      <p:sp>
+        <p:nvSpPr>
+          <p:cNvPr id="55" name="TextBox 54">
+            <a:extLst>
+              <a:ext uri="{FF2B5EF4-FFF2-40B4-BE49-F238E27FC236}">
+                <a16:creationId xmlns:a16="http://schemas.microsoft.com/office/drawing/2014/main" id="{1E1A9035-6968-4013-82B5-E68363B39DD4}"/>
+              </a:ext>
+            </a:extLst>
+          </p:cNvPr>
+          <p:cNvSpPr txBox="1"/>
+          <p:nvPr/>
+        </p:nvSpPr>
+        <p:spPr>
+          <a:xfrm>
+            <a:off x="15013268" y="3655591"/>
+            <a:ext cx="1744688" cy="430887"/>
+          </a:xfrm>
+          <a:prstGeom prst="rect">
+            <a:avLst/>
+          </a:prstGeom>
+          <a:noFill/>
+        </p:spPr>
+        <p:txBody>
+          <a:bodyPr wrap="square" rtlCol="0">
+            <a:spAutoFit/>
+          </a:bodyPr>
+          <a:lstStyle/>
+          <a:p>
+            <a:r>
+              <a:rPr lang="fr-FR" sz="1100" b="1" dirty="0"/>
+              <a:t>= axe imaginaire passant par le centre de la lentille</a:t>
+            </a:r>
+          </a:p>
+        </p:txBody>
+      </p:sp>
+    </p:spTree>
+    <p:extLst>
+      <p:ext uri="{BB962C8B-B14F-4D97-AF65-F5344CB8AC3E}">
+        <p14:creationId xmlns:p14="http://schemas.microsoft.com/office/powerpoint/2010/main" val="43779053"/>
       </p:ext>
     </p:extLst>
   </p:cSld>
